--- a/23ReisiegelJPresentation.pptx
+++ b/23ReisiegelJPresentation.pptx
@@ -6,6 +6,12 @@
   </p:sldMasterIdLst>
   <p:sldIdLst>
     <p:sldId id="256" r:id="rId2"/>
+    <p:sldId id="257" r:id="rId3"/>
+    <p:sldId id="258" r:id="rId4"/>
+    <p:sldId id="259" r:id="rId5"/>
+    <p:sldId id="260" r:id="rId6"/>
+    <p:sldId id="261" r:id="rId7"/>
+    <p:sldId id="262" r:id="rId8"/>
   </p:sldIdLst>
   <p:sldSz cx="12192000" cy="6858000"/>
   <p:notesSz cx="6858000" cy="9144000"/>
@@ -104,20 +110,17 @@
       </a:defRPr>
     </a:lvl9pPr>
   </p:defaultTextStyle>
+  <p:extLst>
+    <p:ext uri="{EFAFB233-063F-42B5-8137-9DF3F51BA10A}">
+      <p15:sldGuideLst xmlns:p15="http://schemas.microsoft.com/office/powerpoint/2012/main"/>
+    </p:ext>
+  </p:extLst>
 </p:presentation>
 </file>
 
 <file path=ppt/slideLayouts/slideLayout1.xml><?xml version="1.0" encoding="utf-8"?>
 <p:sldLayout xmlns:a="http://schemas.openxmlformats.org/drawingml/2006/main" xmlns:r="http://schemas.openxmlformats.org/officeDocument/2006/relationships" xmlns:p="http://schemas.openxmlformats.org/presentationml/2006/main" showMasterSp="0" type="title" preserve="1">
   <p:cSld name="Úvodní snímek">
-    <p:bg>
-      <p:bgPr>
-        <a:solidFill>
-          <a:schemeClr val="bg2"/>
-        </a:solidFill>
-        <a:effectLst/>
-      </p:bgPr>
-    </p:bg>
     <p:spTree>
       <p:nvGrpSpPr>
         <p:cNvPr id="1" name=""/>
@@ -277,7 +280,7 @@
             <a:fld id="{87DE6118-2437-4B30-8E3C-4D2BE6020583}" type="datetimeFigureOut">
               <a:rPr lang="en-US" dirty="0"/>
               <a:pPr/>
-              <a:t>12/13/2022</a:t>
+              <a:t>12/20/2022</a:t>
             </a:fld>
             <a:endParaRPr lang="en-US" dirty="0"/>
           </a:p>
@@ -484,7 +487,7 @@
     </p:spTree>
   </p:cSld>
   <p:clrMapOvr>
-    <a:overrideClrMapping bg1="lt1" tx1="dk1" bg2="lt2" tx2="dk2" accent1="accent1" accent2="accent2" accent3="accent3" accent4="accent4" accent5="accent5" accent6="accent6" hlink="hlink" folHlink="folHlink"/>
+    <a:masterClrMapping/>
   </p:clrMapOvr>
 </p:sldLayout>
 </file>
@@ -603,7 +606,7 @@
           <a:p>
             <a:fld id="{87DE6118-2437-4B30-8E3C-4D2BE6020583}" type="datetimeFigureOut">
               <a:rPr lang="en-US" dirty="0"/>
-              <a:t>12/13/2022</a:t>
+              <a:t>12/20/2022</a:t>
             </a:fld>
             <a:endParaRPr lang="en-US" dirty="0"/>
           </a:p>
@@ -778,7 +781,7 @@
           <a:p>
             <a:fld id="{87DE6118-2437-4B30-8E3C-4D2BE6020583}" type="datetimeFigureOut">
               <a:rPr lang="en-US" dirty="0"/>
-              <a:t>12/13/2022</a:t>
+              <a:t>12/20/2022</a:t>
             </a:fld>
             <a:endParaRPr lang="en-US" dirty="0"/>
           </a:p>
@@ -943,7 +946,7 @@
           <a:p>
             <a:fld id="{87DE6118-2437-4B30-8E3C-4D2BE6020583}" type="datetimeFigureOut">
               <a:rPr lang="en-US" dirty="0"/>
-              <a:t>12/13/2022</a:t>
+              <a:t>12/20/2022</a:t>
             </a:fld>
             <a:endParaRPr lang="en-US" dirty="0"/>
           </a:p>
@@ -1002,11 +1005,6 @@
 <file path=ppt/slideLayouts/slideLayout3.xml><?xml version="1.0" encoding="utf-8"?>
 <p:sldLayout xmlns:a="http://schemas.openxmlformats.org/drawingml/2006/main" xmlns:r="http://schemas.openxmlformats.org/officeDocument/2006/relationships" xmlns:p="http://schemas.openxmlformats.org/presentationml/2006/main" showMasterSp="0" type="secHead" preserve="1">
   <p:cSld name="Záhlaví oddílu">
-    <p:bg>
-      <p:bgRef idx="1001">
-        <a:schemeClr val="bg2"/>
-      </p:bgRef>
-    </p:bg>
     <p:spTree>
       <p:nvGrpSpPr>
         <p:cNvPr id="1" name=""/>
@@ -1216,7 +1214,7 @@
             <a:fld id="{87DE6118-2437-4B30-8E3C-4D2BE6020583}" type="datetimeFigureOut">
               <a:rPr lang="en-US" dirty="0"/>
               <a:pPr/>
-              <a:t>12/13/2022</a:t>
+              <a:t>12/20/2022</a:t>
             </a:fld>
             <a:endParaRPr lang="en-US" dirty="0"/>
           </a:p>
@@ -1350,7 +1348,7 @@
     </p:spTree>
   </p:cSld>
   <p:clrMapOvr>
-    <a:overrideClrMapping bg1="dk1" tx1="lt1" bg2="dk2" tx2="lt2" accent1="accent1" accent2="accent2" accent3="accent3" accent4="accent4" accent5="accent5" accent6="accent6" hlink="hlink" folHlink="folHlink"/>
+    <a:masterClrMapping/>
   </p:clrMapOvr>
 </p:sldLayout>
 </file>
@@ -1606,7 +1604,7 @@
           <a:p>
             <a:fld id="{87DE6118-2437-4B30-8E3C-4D2BE6020583}" type="datetimeFigureOut">
               <a:rPr lang="en-US" dirty="0"/>
-              <a:t>12/13/2022</a:t>
+              <a:t>12/20/2022</a:t>
             </a:fld>
             <a:endParaRPr lang="en-US" dirty="0"/>
           </a:p>
@@ -2078,7 +2076,7 @@
           <a:p>
             <a:fld id="{87DE6118-2437-4B30-8E3C-4D2BE6020583}" type="datetimeFigureOut">
               <a:rPr lang="en-US" dirty="0"/>
-              <a:t>12/13/2022</a:t>
+              <a:t>12/20/2022</a:t>
             </a:fld>
             <a:endParaRPr lang="en-US" dirty="0"/>
           </a:p>
@@ -2191,7 +2189,7 @@
           <a:p>
             <a:fld id="{87DE6118-2437-4B30-8E3C-4D2BE6020583}" type="datetimeFigureOut">
               <a:rPr lang="en-US" dirty="0"/>
-              <a:t>12/13/2022</a:t>
+              <a:t>12/20/2022</a:t>
             </a:fld>
             <a:endParaRPr lang="en-US" dirty="0"/>
           </a:p>
@@ -2281,7 +2279,7 @@
           <a:p>
             <a:fld id="{87DE6118-2437-4B30-8E3C-4D2BE6020583}" type="datetimeFigureOut">
               <a:rPr lang="en-US" dirty="0"/>
-              <a:t>12/13/2022</a:t>
+              <a:t>12/20/2022</a:t>
             </a:fld>
             <a:endParaRPr lang="en-US" dirty="0"/>
           </a:p>
@@ -2623,7 +2621,7 @@
             <a:fld id="{87DE6118-2437-4B30-8E3C-4D2BE6020583}" type="datetimeFigureOut">
               <a:rPr lang="en-US" dirty="0"/>
               <a:pPr/>
-              <a:t>12/13/2022</a:t>
+              <a:t>12/20/2022</a:t>
             </a:fld>
             <a:endParaRPr lang="en-US" dirty="0"/>
           </a:p>
@@ -3008,7 +3006,7 @@
             <a:fld id="{87DE6118-2437-4B30-8E3C-4D2BE6020583}" type="datetimeFigureOut">
               <a:rPr lang="en-US" dirty="0"/>
               <a:pPr/>
-              <a:t>12/13/2022</a:t>
+              <a:t>12/20/2022</a:t>
             </a:fld>
             <a:endParaRPr lang="en-US" dirty="0"/>
           </a:p>
@@ -3133,12 +3131,9 @@
 <p:sldMaster xmlns:a="http://schemas.openxmlformats.org/drawingml/2006/main" xmlns:r="http://schemas.openxmlformats.org/officeDocument/2006/relationships" xmlns:p="http://schemas.openxmlformats.org/presentationml/2006/main">
   <p:cSld>
     <p:bg>
-      <p:bgPr>
-        <a:solidFill>
-          <a:schemeClr val="bg2"/>
-        </a:solidFill>
-        <a:effectLst/>
-      </p:bgPr>
+      <p:bgRef idx="1001">
+        <a:schemeClr val="bg2"/>
+      </p:bgRef>
     </p:bg>
     <p:spTree>
       <p:nvGrpSpPr>
@@ -3283,7 +3278,7 @@
             <a:fld id="{87DE6118-2437-4B30-8E3C-4D2BE6020583}" type="datetimeFigureOut">
               <a:rPr lang="en-US" dirty="0"/>
               <a:pPr/>
-              <a:t>12/13/2022</a:t>
+              <a:t>12/20/2022</a:t>
             </a:fld>
             <a:endParaRPr lang="en-US" dirty="0"/>
           </a:p>
@@ -3860,6 +3855,772 @@
 </p:sld>
 </file>
 
+<file path=ppt/slides/slide2.xml><?xml version="1.0" encoding="utf-8"?>
+<p:sld xmlns:a="http://schemas.openxmlformats.org/drawingml/2006/main" xmlns:r="http://schemas.openxmlformats.org/officeDocument/2006/relationships" xmlns:p="http://schemas.openxmlformats.org/presentationml/2006/main">
+  <p:cSld>
+    <p:spTree>
+      <p:nvGrpSpPr>
+        <p:cNvPr id="1" name=""/>
+        <p:cNvGrpSpPr/>
+        <p:nvPr/>
+      </p:nvGrpSpPr>
+      <p:grpSpPr>
+        <a:xfrm>
+          <a:off x="0" y="0"/>
+          <a:ext cx="0" cy="0"/>
+          <a:chOff x="0" y="0"/>
+          <a:chExt cx="0" cy="0"/>
+        </a:xfrm>
+      </p:grpSpPr>
+      <p:sp>
+        <p:nvSpPr>
+          <p:cNvPr id="2" name="Nadpis 1">
+            <a:extLst>
+              <a:ext uri="{FF2B5EF4-FFF2-40B4-BE49-F238E27FC236}">
+                <a16:creationId xmlns:a16="http://schemas.microsoft.com/office/drawing/2014/main" id="{ACBE2D0E-CDF7-9BB9-BA97-A026225745A4}"/>
+              </a:ext>
+            </a:extLst>
+          </p:cNvPr>
+          <p:cNvSpPr>
+            <a:spLocks noGrp="1"/>
+          </p:cNvSpPr>
+          <p:nvPr>
+            <p:ph type="title"/>
+          </p:nvPr>
+        </p:nvSpPr>
+        <p:spPr/>
+        <p:txBody>
+          <a:bodyPr/>
+          <a:lstStyle/>
+          <a:p>
+            <a:r>
+              <a:rPr lang="cs-CZ" dirty="0"/>
+              <a:t>Transformace matic</a:t>
+            </a:r>
+          </a:p>
+        </p:txBody>
+      </p:sp>
+      <p:sp>
+        <p:nvSpPr>
+          <p:cNvPr id="3" name="Zástupný obsah 2">
+            <a:extLst>
+              <a:ext uri="{FF2B5EF4-FFF2-40B4-BE49-F238E27FC236}">
+                <a16:creationId xmlns:a16="http://schemas.microsoft.com/office/drawing/2014/main" id="{EF7ED7C9-AE82-3EE4-560F-C5D38DBF229A}"/>
+              </a:ext>
+            </a:extLst>
+          </p:cNvPr>
+          <p:cNvSpPr>
+            <a:spLocks noGrp="1"/>
+          </p:cNvSpPr>
+          <p:nvPr>
+            <p:ph idx="1"/>
+          </p:nvPr>
+        </p:nvSpPr>
+        <p:spPr/>
+        <p:txBody>
+          <a:bodyPr/>
+          <a:lstStyle/>
+          <a:p>
+            <a:r>
+              <a:rPr lang="cs-CZ" dirty="0"/>
+              <a:t>Vstupy</a:t>
+            </a:r>
+          </a:p>
+          <a:p>
+            <a:pPr lvl="1"/>
+            <a:r>
+              <a:rPr lang="cs-CZ" dirty="0"/>
+              <a:t>Velikost matice</a:t>
+            </a:r>
+          </a:p>
+          <a:p>
+            <a:pPr lvl="1"/>
+            <a:r>
+              <a:rPr lang="cs-CZ" dirty="0"/>
+              <a:t>Vlastní matice</a:t>
+            </a:r>
+          </a:p>
+          <a:p>
+            <a:pPr lvl="1"/>
+            <a:r>
+              <a:rPr lang="cs-CZ" dirty="0"/>
+              <a:t>Operace</a:t>
+            </a:r>
+          </a:p>
+          <a:p>
+            <a:r>
+              <a:rPr lang="cs-CZ" dirty="0"/>
+              <a:t>Druhy transformací</a:t>
+            </a:r>
+          </a:p>
+          <a:p>
+            <a:pPr lvl="1"/>
+            <a:r>
+              <a:rPr lang="cs-CZ" dirty="0"/>
+              <a:t>90°, -90° a 0° (vstupy: 1, -1 a 0)</a:t>
+            </a:r>
+          </a:p>
+          <a:p>
+            <a:pPr lvl="1"/>
+            <a:r>
+              <a:rPr lang="cs-CZ" dirty="0"/>
+              <a:t>Jiné číslo =&gt; </a:t>
+            </a:r>
+            <a:r>
+              <a:rPr lang="cs-CZ"/>
+              <a:t>konec úlohy</a:t>
+            </a:r>
+            <a:endParaRPr lang="cs-CZ" dirty="0"/>
+          </a:p>
+        </p:txBody>
+      </p:sp>
+    </p:spTree>
+    <p:extLst>
+      <p:ext uri="{BB962C8B-B14F-4D97-AF65-F5344CB8AC3E}">
+        <p14:creationId xmlns:p14="http://schemas.microsoft.com/office/powerpoint/2010/main" val="2487070775"/>
+      </p:ext>
+    </p:extLst>
+  </p:cSld>
+  <p:clrMapOvr>
+    <a:masterClrMapping/>
+  </p:clrMapOvr>
+</p:sld>
+</file>
+
+<file path=ppt/slides/slide3.xml><?xml version="1.0" encoding="utf-8"?>
+<p:sld xmlns:a="http://schemas.openxmlformats.org/drawingml/2006/main" xmlns:r="http://schemas.openxmlformats.org/officeDocument/2006/relationships" xmlns:p="http://schemas.openxmlformats.org/presentationml/2006/main">
+  <p:cSld>
+    <p:spTree>
+      <p:nvGrpSpPr>
+        <p:cNvPr id="1" name=""/>
+        <p:cNvGrpSpPr/>
+        <p:nvPr/>
+      </p:nvGrpSpPr>
+      <p:grpSpPr>
+        <a:xfrm>
+          <a:off x="0" y="0"/>
+          <a:ext cx="0" cy="0"/>
+          <a:chOff x="0" y="0"/>
+          <a:chExt cx="0" cy="0"/>
+        </a:xfrm>
+      </p:grpSpPr>
+      <p:sp>
+        <p:nvSpPr>
+          <p:cNvPr id="2" name="Nadpis 1">
+            <a:extLst>
+              <a:ext uri="{FF2B5EF4-FFF2-40B4-BE49-F238E27FC236}">
+                <a16:creationId xmlns:a16="http://schemas.microsoft.com/office/drawing/2014/main" id="{D3AAF178-E24F-9F5A-3E5F-1B3304C5EC1D}"/>
+              </a:ext>
+            </a:extLst>
+          </p:cNvPr>
+          <p:cNvSpPr>
+            <a:spLocks noGrp="1"/>
+          </p:cNvSpPr>
+          <p:nvPr>
+            <p:ph type="title"/>
+          </p:nvPr>
+        </p:nvSpPr>
+        <p:spPr/>
+        <p:txBody>
+          <a:bodyPr/>
+          <a:lstStyle/>
+          <a:p>
+            <a:r>
+              <a:rPr lang="cs-CZ" dirty="0"/>
+              <a:t>Nákres řešení</a:t>
+            </a:r>
+          </a:p>
+        </p:txBody>
+      </p:sp>
+      <p:pic>
+        <p:nvPicPr>
+          <p:cNvPr id="14" name="Zástupný obsah 13">
+            <a:extLst>
+              <a:ext uri="{FF2B5EF4-FFF2-40B4-BE49-F238E27FC236}">
+                <a16:creationId xmlns:a16="http://schemas.microsoft.com/office/drawing/2014/main" id="{4FBDE85C-427C-4D7F-1647-E3D902FBADED}"/>
+              </a:ext>
+            </a:extLst>
+          </p:cNvPr>
+          <p:cNvPicPr>
+            <a:picLocks noGrp="1" noChangeAspect="1"/>
+          </p:cNvPicPr>
+          <p:nvPr>
+            <p:ph idx="1"/>
+          </p:nvPr>
+        </p:nvPicPr>
+        <p:blipFill>
+          <a:blip r:embed="rId2"/>
+          <a:stretch>
+            <a:fillRect/>
+          </a:stretch>
+        </p:blipFill>
+        <p:spPr>
+          <a:xfrm>
+            <a:off x="1902041" y="1350169"/>
+            <a:ext cx="8387918" cy="5107331"/>
+          </a:xfrm>
+        </p:spPr>
+      </p:pic>
+    </p:spTree>
+    <p:extLst>
+      <p:ext uri="{BB962C8B-B14F-4D97-AF65-F5344CB8AC3E}">
+        <p14:creationId xmlns:p14="http://schemas.microsoft.com/office/powerpoint/2010/main" val="2556508580"/>
+      </p:ext>
+    </p:extLst>
+  </p:cSld>
+  <p:clrMapOvr>
+    <a:masterClrMapping/>
+  </p:clrMapOvr>
+</p:sld>
+</file>
+
+<file path=ppt/slides/slide4.xml><?xml version="1.0" encoding="utf-8"?>
+<p:sld xmlns:a="http://schemas.openxmlformats.org/drawingml/2006/main" xmlns:r="http://schemas.openxmlformats.org/officeDocument/2006/relationships" xmlns:p="http://schemas.openxmlformats.org/presentationml/2006/main">
+  <p:cSld>
+    <p:spTree>
+      <p:nvGrpSpPr>
+        <p:cNvPr id="1" name=""/>
+        <p:cNvGrpSpPr/>
+        <p:nvPr/>
+      </p:nvGrpSpPr>
+      <p:grpSpPr>
+        <a:xfrm>
+          <a:off x="0" y="0"/>
+          <a:ext cx="0" cy="0"/>
+          <a:chOff x="0" y="0"/>
+          <a:chExt cx="0" cy="0"/>
+        </a:xfrm>
+      </p:grpSpPr>
+      <p:sp>
+        <p:nvSpPr>
+          <p:cNvPr id="2" name="Nadpis 1">
+            <a:extLst>
+              <a:ext uri="{FF2B5EF4-FFF2-40B4-BE49-F238E27FC236}">
+                <a16:creationId xmlns:a16="http://schemas.microsoft.com/office/drawing/2014/main" id="{06F69A97-1DF3-5F8F-E7B6-05DC2B9B8F95}"/>
+              </a:ext>
+            </a:extLst>
+          </p:cNvPr>
+          <p:cNvSpPr>
+            <a:spLocks noGrp="1"/>
+          </p:cNvSpPr>
+          <p:nvPr>
+            <p:ph type="title"/>
+          </p:nvPr>
+        </p:nvSpPr>
+        <p:spPr/>
+        <p:txBody>
+          <a:bodyPr/>
+          <a:lstStyle/>
+          <a:p>
+            <a:r>
+              <a:rPr lang="cs-CZ" dirty="0"/>
+              <a:t>Ukázka zajímavého kódu</a:t>
+            </a:r>
+          </a:p>
+        </p:txBody>
+      </p:sp>
+      <p:pic>
+        <p:nvPicPr>
+          <p:cNvPr id="9" name="Zástupný obsah 8">
+            <a:extLst>
+              <a:ext uri="{FF2B5EF4-FFF2-40B4-BE49-F238E27FC236}">
+                <a16:creationId xmlns:a16="http://schemas.microsoft.com/office/drawing/2014/main" id="{B7446E59-63B4-51E1-8354-4798D0B97BD5}"/>
+              </a:ext>
+            </a:extLst>
+          </p:cNvPr>
+          <p:cNvPicPr>
+            <a:picLocks noGrp="1" noChangeAspect="1"/>
+          </p:cNvPicPr>
+          <p:nvPr>
+            <p:ph idx="1"/>
+          </p:nvPr>
+        </p:nvPicPr>
+        <p:blipFill>
+          <a:blip r:embed="rId2"/>
+          <a:stretch>
+            <a:fillRect/>
+          </a:stretch>
+        </p:blipFill>
+        <p:spPr>
+          <a:xfrm>
+            <a:off x="1732166" y="1482573"/>
+            <a:ext cx="8727667" cy="4602854"/>
+          </a:xfrm>
+        </p:spPr>
+      </p:pic>
+    </p:spTree>
+    <p:extLst>
+      <p:ext uri="{BB962C8B-B14F-4D97-AF65-F5344CB8AC3E}">
+        <p14:creationId xmlns:p14="http://schemas.microsoft.com/office/powerpoint/2010/main" val="798907705"/>
+      </p:ext>
+    </p:extLst>
+  </p:cSld>
+  <p:clrMapOvr>
+    <a:masterClrMapping/>
+  </p:clrMapOvr>
+</p:sld>
+</file>
+
+<file path=ppt/slides/slide5.xml><?xml version="1.0" encoding="utf-8"?>
+<p:sld xmlns:a="http://schemas.openxmlformats.org/drawingml/2006/main" xmlns:r="http://schemas.openxmlformats.org/officeDocument/2006/relationships" xmlns:p="http://schemas.openxmlformats.org/presentationml/2006/main">
+  <p:cSld>
+    <p:spTree>
+      <p:nvGrpSpPr>
+        <p:cNvPr id="1" name=""/>
+        <p:cNvGrpSpPr/>
+        <p:nvPr/>
+      </p:nvGrpSpPr>
+      <p:grpSpPr>
+        <a:xfrm>
+          <a:off x="0" y="0"/>
+          <a:ext cx="0" cy="0"/>
+          <a:chOff x="0" y="0"/>
+          <a:chExt cx="0" cy="0"/>
+        </a:xfrm>
+      </p:grpSpPr>
+      <p:sp>
+        <p:nvSpPr>
+          <p:cNvPr id="2" name="Nadpis 1">
+            <a:extLst>
+              <a:ext uri="{FF2B5EF4-FFF2-40B4-BE49-F238E27FC236}">
+                <a16:creationId xmlns:a16="http://schemas.microsoft.com/office/drawing/2014/main" id="{243CB037-BE39-D6C7-BD5F-A5A5580EA803}"/>
+              </a:ext>
+            </a:extLst>
+          </p:cNvPr>
+          <p:cNvSpPr>
+            <a:spLocks noGrp="1"/>
+          </p:cNvSpPr>
+          <p:nvPr>
+            <p:ph type="title"/>
+          </p:nvPr>
+        </p:nvSpPr>
+        <p:spPr/>
+        <p:txBody>
+          <a:bodyPr/>
+          <a:lstStyle/>
+          <a:p>
+            <a:r>
+              <a:rPr lang="cs-CZ" dirty="0"/>
+              <a:t>Ukázka výstupů</a:t>
+            </a:r>
+          </a:p>
+        </p:txBody>
+      </p:sp>
+      <p:sp>
+        <p:nvSpPr>
+          <p:cNvPr id="12" name="Zástupný text 11">
+            <a:extLst>
+              <a:ext uri="{FF2B5EF4-FFF2-40B4-BE49-F238E27FC236}">
+                <a16:creationId xmlns:a16="http://schemas.microsoft.com/office/drawing/2014/main" id="{AEF95027-E81C-1DFB-C239-DA91F14D11CA}"/>
+              </a:ext>
+            </a:extLst>
+          </p:cNvPr>
+          <p:cNvSpPr>
+            <a:spLocks noGrp="1"/>
+          </p:cNvSpPr>
+          <p:nvPr>
+            <p:ph type="body" idx="1"/>
+          </p:nvPr>
+        </p:nvSpPr>
+        <p:spPr/>
+        <p:txBody>
+          <a:bodyPr/>
+          <a:lstStyle/>
+          <a:p>
+            <a:r>
+              <a:rPr lang="cs-CZ" dirty="0"/>
+              <a:t>Screenshoty běžící aplikace</a:t>
+            </a:r>
+          </a:p>
+        </p:txBody>
+      </p:sp>
+    </p:spTree>
+    <p:extLst>
+      <p:ext uri="{BB962C8B-B14F-4D97-AF65-F5344CB8AC3E}">
+        <p14:creationId xmlns:p14="http://schemas.microsoft.com/office/powerpoint/2010/main" val="2706848753"/>
+      </p:ext>
+    </p:extLst>
+  </p:cSld>
+  <p:clrMapOvr>
+    <a:masterClrMapping/>
+  </p:clrMapOvr>
+</p:sld>
+</file>
+
+<file path=ppt/slides/slide6.xml><?xml version="1.0" encoding="utf-8"?>
+<p:sld xmlns:a="http://schemas.openxmlformats.org/drawingml/2006/main" xmlns:r="http://schemas.openxmlformats.org/officeDocument/2006/relationships" xmlns:p="http://schemas.openxmlformats.org/presentationml/2006/main">
+  <p:cSld>
+    <p:spTree>
+      <p:nvGrpSpPr>
+        <p:cNvPr id="1" name=""/>
+        <p:cNvGrpSpPr/>
+        <p:nvPr/>
+      </p:nvGrpSpPr>
+      <p:grpSpPr>
+        <a:xfrm>
+          <a:off x="0" y="0"/>
+          <a:ext cx="0" cy="0"/>
+          <a:chOff x="0" y="0"/>
+          <a:chExt cx="0" cy="0"/>
+        </a:xfrm>
+      </p:grpSpPr>
+      <p:pic>
+        <p:nvPicPr>
+          <p:cNvPr id="5" name="Obrázek 4">
+            <a:extLst>
+              <a:ext uri="{FF2B5EF4-FFF2-40B4-BE49-F238E27FC236}">
+                <a16:creationId xmlns:a16="http://schemas.microsoft.com/office/drawing/2014/main" id="{BE6AA5A6-3766-5763-740B-B2DDFEC7A81A}"/>
+              </a:ext>
+            </a:extLst>
+          </p:cNvPr>
+          <p:cNvPicPr>
+            <a:picLocks noChangeAspect="1"/>
+          </p:cNvPicPr>
+          <p:nvPr/>
+        </p:nvPicPr>
+        <p:blipFill>
+          <a:blip r:embed="rId2"/>
+          <a:stretch>
+            <a:fillRect/>
+          </a:stretch>
+        </p:blipFill>
+        <p:spPr>
+          <a:xfrm>
+            <a:off x="3359294" y="197081"/>
+            <a:ext cx="5473412" cy="6463838"/>
+          </a:xfrm>
+          <a:prstGeom prst="rect">
+            <a:avLst/>
+          </a:prstGeom>
+        </p:spPr>
+      </p:pic>
+      <p:pic>
+        <p:nvPicPr>
+          <p:cNvPr id="7" name="Obrázek 6">
+            <a:extLst>
+              <a:ext uri="{FF2B5EF4-FFF2-40B4-BE49-F238E27FC236}">
+                <a16:creationId xmlns:a16="http://schemas.microsoft.com/office/drawing/2014/main" id="{54FDE141-9CDE-F358-BFE7-68B0A8177FEA}"/>
+              </a:ext>
+            </a:extLst>
+          </p:cNvPr>
+          <p:cNvPicPr>
+            <a:picLocks noChangeAspect="1"/>
+          </p:cNvPicPr>
+          <p:nvPr/>
+        </p:nvPicPr>
+        <p:blipFill>
+          <a:blip r:embed="rId3"/>
+          <a:stretch>
+            <a:fillRect/>
+          </a:stretch>
+        </p:blipFill>
+        <p:spPr>
+          <a:xfrm>
+            <a:off x="3149248" y="197081"/>
+            <a:ext cx="5893503" cy="6471733"/>
+          </a:xfrm>
+          <a:prstGeom prst="rect">
+            <a:avLst/>
+          </a:prstGeom>
+        </p:spPr>
+      </p:pic>
+      <p:pic>
+        <p:nvPicPr>
+          <p:cNvPr id="9" name="Obrázek 8">
+            <a:extLst>
+              <a:ext uri="{FF2B5EF4-FFF2-40B4-BE49-F238E27FC236}">
+                <a16:creationId xmlns:a16="http://schemas.microsoft.com/office/drawing/2014/main" id="{1321A673-EF08-FD1B-5A80-F038DA426285}"/>
+              </a:ext>
+            </a:extLst>
+          </p:cNvPr>
+          <p:cNvPicPr>
+            <a:picLocks noChangeAspect="1"/>
+          </p:cNvPicPr>
+          <p:nvPr/>
+        </p:nvPicPr>
+        <p:blipFill>
+          <a:blip r:embed="rId4"/>
+          <a:stretch>
+            <a:fillRect/>
+          </a:stretch>
+        </p:blipFill>
+        <p:spPr>
+          <a:xfrm>
+            <a:off x="2314575" y="180975"/>
+            <a:ext cx="7562850" cy="6496050"/>
+          </a:xfrm>
+          <a:prstGeom prst="rect">
+            <a:avLst/>
+          </a:prstGeom>
+        </p:spPr>
+      </p:pic>
+    </p:spTree>
+    <p:extLst>
+      <p:ext uri="{BB962C8B-B14F-4D97-AF65-F5344CB8AC3E}">
+        <p14:creationId xmlns:p14="http://schemas.microsoft.com/office/powerpoint/2010/main" val="208609388"/>
+      </p:ext>
+    </p:extLst>
+  </p:cSld>
+  <p:clrMapOvr>
+    <a:masterClrMapping/>
+  </p:clrMapOvr>
+  <p:timing>
+    <p:tnLst>
+      <p:par>
+        <p:cTn id="1" dur="indefinite" restart="never" nodeType="tmRoot">
+          <p:childTnLst>
+            <p:seq concurrent="1" nextAc="seek">
+              <p:cTn id="2" dur="indefinite" nodeType="mainSeq">
+                <p:childTnLst>
+                  <p:par>
+                    <p:cTn id="3" fill="hold">
+                      <p:stCondLst>
+                        <p:cond delay="indefinite"/>
+                        <p:cond evt="onBegin" delay="0">
+                          <p:tn val="2"/>
+                        </p:cond>
+                      </p:stCondLst>
+                      <p:childTnLst>
+                        <p:par>
+                          <p:cTn id="4" fill="hold">
+                            <p:stCondLst>
+                              <p:cond delay="0"/>
+                            </p:stCondLst>
+                            <p:childTnLst>
+                              <p:par>
+                                <p:cTn id="5" presetID="1" presetClass="entr" presetSubtype="0" fill="hold" nodeType="withEffect">
+                                  <p:stCondLst>
+                                    <p:cond delay="0"/>
+                                  </p:stCondLst>
+                                  <p:childTnLst>
+                                    <p:set>
+                                      <p:cBhvr>
+                                        <p:cTn id="6" dur="1" fill="hold">
+                                          <p:stCondLst>
+                                            <p:cond delay="0"/>
+                                          </p:stCondLst>
+                                        </p:cTn>
+                                        <p:tgtEl>
+                                          <p:spTgt spid="5"/>
+                                        </p:tgtEl>
+                                        <p:attrNameLst>
+                                          <p:attrName>style.visibility</p:attrName>
+                                        </p:attrNameLst>
+                                      </p:cBhvr>
+                                      <p:to>
+                                        <p:strVal val="visible"/>
+                                      </p:to>
+                                    </p:set>
+                                  </p:childTnLst>
+                                </p:cTn>
+                              </p:par>
+                            </p:childTnLst>
+                          </p:cTn>
+                        </p:par>
+                      </p:childTnLst>
+                    </p:cTn>
+                  </p:par>
+                  <p:par>
+                    <p:cTn id="7" fill="hold">
+                      <p:stCondLst>
+                        <p:cond delay="indefinite"/>
+                      </p:stCondLst>
+                      <p:childTnLst>
+                        <p:par>
+                          <p:cTn id="8" fill="hold">
+                            <p:stCondLst>
+                              <p:cond delay="0"/>
+                            </p:stCondLst>
+                            <p:childTnLst>
+                              <p:par>
+                                <p:cTn id="9" presetID="1" presetClass="entr" presetSubtype="0" fill="hold" nodeType="clickEffect">
+                                  <p:stCondLst>
+                                    <p:cond delay="0"/>
+                                  </p:stCondLst>
+                                  <p:childTnLst>
+                                    <p:set>
+                                      <p:cBhvr>
+                                        <p:cTn id="10" dur="1" fill="hold">
+                                          <p:stCondLst>
+                                            <p:cond delay="0"/>
+                                          </p:stCondLst>
+                                        </p:cTn>
+                                        <p:tgtEl>
+                                          <p:spTgt spid="7"/>
+                                        </p:tgtEl>
+                                        <p:attrNameLst>
+                                          <p:attrName>style.visibility</p:attrName>
+                                        </p:attrNameLst>
+                                      </p:cBhvr>
+                                      <p:to>
+                                        <p:strVal val="visible"/>
+                                      </p:to>
+                                    </p:set>
+                                  </p:childTnLst>
+                                </p:cTn>
+                              </p:par>
+                            </p:childTnLst>
+                          </p:cTn>
+                        </p:par>
+                      </p:childTnLst>
+                    </p:cTn>
+                  </p:par>
+                  <p:par>
+                    <p:cTn id="11" fill="hold">
+                      <p:stCondLst>
+                        <p:cond delay="indefinite"/>
+                      </p:stCondLst>
+                      <p:childTnLst>
+                        <p:par>
+                          <p:cTn id="12" fill="hold">
+                            <p:stCondLst>
+                              <p:cond delay="0"/>
+                            </p:stCondLst>
+                            <p:childTnLst>
+                              <p:par>
+                                <p:cTn id="13" presetID="1" presetClass="entr" presetSubtype="0" fill="hold" nodeType="clickEffect">
+                                  <p:stCondLst>
+                                    <p:cond delay="0"/>
+                                  </p:stCondLst>
+                                  <p:childTnLst>
+                                    <p:set>
+                                      <p:cBhvr>
+                                        <p:cTn id="14" dur="1" fill="hold">
+                                          <p:stCondLst>
+                                            <p:cond delay="0"/>
+                                          </p:stCondLst>
+                                        </p:cTn>
+                                        <p:tgtEl>
+                                          <p:spTgt spid="9"/>
+                                        </p:tgtEl>
+                                        <p:attrNameLst>
+                                          <p:attrName>style.visibility</p:attrName>
+                                        </p:attrNameLst>
+                                      </p:cBhvr>
+                                      <p:to>
+                                        <p:strVal val="visible"/>
+                                      </p:to>
+                                    </p:set>
+                                  </p:childTnLst>
+                                </p:cTn>
+                              </p:par>
+                            </p:childTnLst>
+                          </p:cTn>
+                        </p:par>
+                      </p:childTnLst>
+                    </p:cTn>
+                  </p:par>
+                </p:childTnLst>
+              </p:cTn>
+              <p:prevCondLst>
+                <p:cond evt="onPrev" delay="0">
+                  <p:tgtEl>
+                    <p:sldTgt/>
+                  </p:tgtEl>
+                </p:cond>
+              </p:prevCondLst>
+              <p:nextCondLst>
+                <p:cond evt="onNext" delay="0">
+                  <p:tgtEl>
+                    <p:sldTgt/>
+                  </p:tgtEl>
+                </p:cond>
+              </p:nextCondLst>
+            </p:seq>
+          </p:childTnLst>
+        </p:cTn>
+      </p:par>
+    </p:tnLst>
+  </p:timing>
+</p:sld>
+</file>
+
+<file path=ppt/slides/slide7.xml><?xml version="1.0" encoding="utf-8"?>
+<p:sld xmlns:a="http://schemas.openxmlformats.org/drawingml/2006/main" xmlns:r="http://schemas.openxmlformats.org/officeDocument/2006/relationships" xmlns:p="http://schemas.openxmlformats.org/presentationml/2006/main">
+  <p:cSld>
+    <p:spTree>
+      <p:nvGrpSpPr>
+        <p:cNvPr id="1" name=""/>
+        <p:cNvGrpSpPr/>
+        <p:nvPr/>
+      </p:nvGrpSpPr>
+      <p:grpSpPr>
+        <a:xfrm>
+          <a:off x="0" y="0"/>
+          <a:ext cx="0" cy="0"/>
+          <a:chOff x="0" y="0"/>
+          <a:chExt cx="0" cy="0"/>
+        </a:xfrm>
+      </p:grpSpPr>
+      <p:sp>
+        <p:nvSpPr>
+          <p:cNvPr id="4" name="Nadpis 3">
+            <a:extLst>
+              <a:ext uri="{FF2B5EF4-FFF2-40B4-BE49-F238E27FC236}">
+                <a16:creationId xmlns:a16="http://schemas.microsoft.com/office/drawing/2014/main" id="{9DAD6DCB-6B8D-65D2-121A-5ECAC0CF6102}"/>
+              </a:ext>
+            </a:extLst>
+          </p:cNvPr>
+          <p:cNvSpPr>
+            <a:spLocks noGrp="1"/>
+          </p:cNvSpPr>
+          <p:nvPr>
+            <p:ph type="title"/>
+          </p:nvPr>
+        </p:nvSpPr>
+        <p:spPr/>
+        <p:txBody>
+          <a:bodyPr/>
+          <a:lstStyle/>
+          <a:p>
+            <a:r>
+              <a:rPr lang="cs-CZ" dirty="0"/>
+              <a:t>Děkuji za Pozornost</a:t>
+            </a:r>
+          </a:p>
+        </p:txBody>
+      </p:sp>
+      <p:sp>
+        <p:nvSpPr>
+          <p:cNvPr id="5" name="Zástupný text 4">
+            <a:extLst>
+              <a:ext uri="{FF2B5EF4-FFF2-40B4-BE49-F238E27FC236}">
+                <a16:creationId xmlns:a16="http://schemas.microsoft.com/office/drawing/2014/main" id="{FCD798AB-4244-881F-04F6-AB5F6E3777DE}"/>
+              </a:ext>
+            </a:extLst>
+          </p:cNvPr>
+          <p:cNvSpPr>
+            <a:spLocks noGrp="1"/>
+          </p:cNvSpPr>
+          <p:nvPr>
+            <p:ph type="body" idx="1"/>
+          </p:nvPr>
+        </p:nvSpPr>
+        <p:spPr/>
+        <p:txBody>
+          <a:bodyPr/>
+          <a:lstStyle/>
+          <a:p>
+            <a:r>
+              <a:rPr lang="cs-CZ" dirty="0"/>
+              <a:t>Prostor pro vaše dotazy</a:t>
+            </a:r>
+          </a:p>
+        </p:txBody>
+      </p:sp>
+    </p:spTree>
+    <p:extLst>
+      <p:ext uri="{BB962C8B-B14F-4D97-AF65-F5344CB8AC3E}">
+        <p14:creationId xmlns:p14="http://schemas.microsoft.com/office/powerpoint/2010/main" val="4214281769"/>
+      </p:ext>
+    </p:extLst>
+  </p:cSld>
+  <p:clrMapOvr>
+    <a:masterClrMapping/>
+  </p:clrMapOvr>
+</p:sld>
+</file>
+
 <file path=ppt/theme/theme1.xml><?xml version="1.0" encoding="utf-8"?>
 <a:theme xmlns:a="http://schemas.openxmlformats.org/drawingml/2006/main" name="Oříznutí">
   <a:themeElements>

--- a/23ReisiegelJPresentation.pptx
+++ b/23ReisiegelJPresentation.pptx
@@ -280,7 +280,7 @@
             <a:fld id="{87DE6118-2437-4B30-8E3C-4D2BE6020583}" type="datetimeFigureOut">
               <a:rPr lang="en-US" dirty="0"/>
               <a:pPr/>
-              <a:t>12/20/2022</a:t>
+              <a:t>12/22/2022</a:t>
             </a:fld>
             <a:endParaRPr lang="en-US" dirty="0"/>
           </a:p>
@@ -606,7 +606,7 @@
           <a:p>
             <a:fld id="{87DE6118-2437-4B30-8E3C-4D2BE6020583}" type="datetimeFigureOut">
               <a:rPr lang="en-US" dirty="0"/>
-              <a:t>12/20/2022</a:t>
+              <a:t>12/22/2022</a:t>
             </a:fld>
             <a:endParaRPr lang="en-US" dirty="0"/>
           </a:p>
@@ -781,7 +781,7 @@
           <a:p>
             <a:fld id="{87DE6118-2437-4B30-8E3C-4D2BE6020583}" type="datetimeFigureOut">
               <a:rPr lang="en-US" dirty="0"/>
-              <a:t>12/20/2022</a:t>
+              <a:t>12/22/2022</a:t>
             </a:fld>
             <a:endParaRPr lang="en-US" dirty="0"/>
           </a:p>
@@ -946,7 +946,7 @@
           <a:p>
             <a:fld id="{87DE6118-2437-4B30-8E3C-4D2BE6020583}" type="datetimeFigureOut">
               <a:rPr lang="en-US" dirty="0"/>
-              <a:t>12/20/2022</a:t>
+              <a:t>12/22/2022</a:t>
             </a:fld>
             <a:endParaRPr lang="en-US" dirty="0"/>
           </a:p>
@@ -1214,7 +1214,7 @@
             <a:fld id="{87DE6118-2437-4B30-8E3C-4D2BE6020583}" type="datetimeFigureOut">
               <a:rPr lang="en-US" dirty="0"/>
               <a:pPr/>
-              <a:t>12/20/2022</a:t>
+              <a:t>12/22/2022</a:t>
             </a:fld>
             <a:endParaRPr lang="en-US" dirty="0"/>
           </a:p>
@@ -1604,7 +1604,7 @@
           <a:p>
             <a:fld id="{87DE6118-2437-4B30-8E3C-4D2BE6020583}" type="datetimeFigureOut">
               <a:rPr lang="en-US" dirty="0"/>
-              <a:t>12/20/2022</a:t>
+              <a:t>12/22/2022</a:t>
             </a:fld>
             <a:endParaRPr lang="en-US" dirty="0"/>
           </a:p>
@@ -2076,7 +2076,7 @@
           <a:p>
             <a:fld id="{87DE6118-2437-4B30-8E3C-4D2BE6020583}" type="datetimeFigureOut">
               <a:rPr lang="en-US" dirty="0"/>
-              <a:t>12/20/2022</a:t>
+              <a:t>12/22/2022</a:t>
             </a:fld>
             <a:endParaRPr lang="en-US" dirty="0"/>
           </a:p>
@@ -2189,7 +2189,7 @@
           <a:p>
             <a:fld id="{87DE6118-2437-4B30-8E3C-4D2BE6020583}" type="datetimeFigureOut">
               <a:rPr lang="en-US" dirty="0"/>
-              <a:t>12/20/2022</a:t>
+              <a:t>12/22/2022</a:t>
             </a:fld>
             <a:endParaRPr lang="en-US" dirty="0"/>
           </a:p>
@@ -2279,7 +2279,7 @@
           <a:p>
             <a:fld id="{87DE6118-2437-4B30-8E3C-4D2BE6020583}" type="datetimeFigureOut">
               <a:rPr lang="en-US" dirty="0"/>
-              <a:t>12/20/2022</a:t>
+              <a:t>12/22/2022</a:t>
             </a:fld>
             <a:endParaRPr lang="en-US" dirty="0"/>
           </a:p>
@@ -2621,7 +2621,7 @@
             <a:fld id="{87DE6118-2437-4B30-8E3C-4D2BE6020583}" type="datetimeFigureOut">
               <a:rPr lang="en-US" dirty="0"/>
               <a:pPr/>
-              <a:t>12/20/2022</a:t>
+              <a:t>12/22/2022</a:t>
             </a:fld>
             <a:endParaRPr lang="en-US" dirty="0"/>
           </a:p>
@@ -3006,7 +3006,7 @@
             <a:fld id="{87DE6118-2437-4B30-8E3C-4D2BE6020583}" type="datetimeFigureOut">
               <a:rPr lang="en-US" dirty="0"/>
               <a:pPr/>
-              <a:t>12/20/2022</a:t>
+              <a:t>12/22/2022</a:t>
             </a:fld>
             <a:endParaRPr lang="en-US" dirty="0"/>
           </a:p>
@@ -3278,7 +3278,7 @@
             <a:fld id="{87DE6118-2437-4B30-8E3C-4D2BE6020583}" type="datetimeFigureOut">
               <a:rPr lang="en-US" dirty="0"/>
               <a:pPr/>
-              <a:t>12/20/2022</a:t>
+              <a:t>12/22/2022</a:t>
             </a:fld>
             <a:endParaRPr lang="en-US" dirty="0"/>
           </a:p>
@@ -4137,14 +4137,13 @@
         </p:nvPicPr>
         <p:blipFill>
           <a:blip r:embed="rId2"/>
-          <a:stretch>
-            <a:fillRect/>
-          </a:stretch>
+          <a:srcRect/>
+          <a:stretch/>
         </p:blipFill>
         <p:spPr>
           <a:xfrm>
-            <a:off x="1732166" y="1482573"/>
-            <a:ext cx="8727667" cy="4602854"/>
+            <a:off x="2028601" y="1482573"/>
+            <a:ext cx="8134797" cy="4602854"/>
           </a:xfrm>
         </p:spPr>
       </p:pic>
